--- a/TRTH_on_Jupyter_Notebook_QuickStart.pptx
+++ b/TRTH_on_Jupyter_Notebook_QuickStart.pptx
@@ -19,7 +19,7 @@
     <p:sldId id="331" r:id="rId7"/>
   </p:sldIdLst>
   <p:sldSz cx="12192000" cy="6858000"/>
-  <p:notesSz cx="6858000" cy="9144000"/>
+  <p:notesSz cx="7019925" cy="9305925"/>
   <p:defaultTextStyle>
     <a:defPPr>
       <a:defRPr lang="en-US"/>
@@ -201,14 +201,14 @@
         <p:spPr>
           <a:xfrm>
             <a:off x="0" y="0"/>
-            <a:ext cx="2971800" cy="458788"/>
+            <a:ext cx="3041968" cy="466912"/>
           </a:xfrm>
           <a:prstGeom prst="rect">
             <a:avLst/>
           </a:prstGeom>
         </p:spPr>
         <p:txBody>
-          <a:bodyPr vert="horz" lIns="91440" tIns="45720" rIns="91440" bIns="45720" rtlCol="0"/>
+          <a:bodyPr vert="horz" lIns="93287" tIns="46644" rIns="93287" bIns="46644" rtlCol="0"/>
           <a:lstStyle>
             <a:lvl1pPr algn="l">
               <a:defRPr sz="1200"/>
@@ -231,15 +231,15 @@
         </p:nvSpPr>
         <p:spPr>
           <a:xfrm>
-            <a:off x="3884613" y="0"/>
-            <a:ext cx="2971800" cy="458788"/>
+            <a:off x="3976333" y="0"/>
+            <a:ext cx="3041968" cy="466912"/>
           </a:xfrm>
           <a:prstGeom prst="rect">
             <a:avLst/>
           </a:prstGeom>
         </p:spPr>
         <p:txBody>
-          <a:bodyPr vert="horz" lIns="91440" tIns="45720" rIns="91440" bIns="45720" rtlCol="0"/>
+          <a:bodyPr vert="horz" lIns="93287" tIns="46644" rIns="93287" bIns="46644" rtlCol="0"/>
           <a:lstStyle>
             <a:lvl1pPr algn="r">
               <a:defRPr sz="1200"/>
@@ -249,7 +249,7 @@
             <a:fld id="{94F5700D-296D-7F49-A7E5-61F8CC39D1CA}" type="datetimeFigureOut">
               <a:rPr lang="en-US" smtClean="0"/>
               <a:pPr/>
-              <a:t>9/19/2019</a:t>
+              <a:t>9/23/2019</a:t>
             </a:fld>
             <a:endParaRPr lang="en-US"/>
           </a:p>
@@ -267,15 +267,15 @@
         </p:nvSpPr>
         <p:spPr>
           <a:xfrm>
-            <a:off x="0" y="8685213"/>
-            <a:ext cx="2971800" cy="458787"/>
+            <a:off x="0" y="8839014"/>
+            <a:ext cx="3041968" cy="466911"/>
           </a:xfrm>
           <a:prstGeom prst="rect">
             <a:avLst/>
           </a:prstGeom>
         </p:spPr>
         <p:txBody>
-          <a:bodyPr vert="horz" lIns="91440" tIns="45720" rIns="91440" bIns="45720" rtlCol="0" anchor="b"/>
+          <a:bodyPr vert="horz" lIns="93287" tIns="46644" rIns="93287" bIns="46644" rtlCol="0" anchor="b"/>
           <a:lstStyle>
             <a:lvl1pPr algn="l">
               <a:defRPr sz="1200"/>
@@ -298,15 +298,15 @@
         </p:nvSpPr>
         <p:spPr>
           <a:xfrm>
-            <a:off x="3884613" y="8685213"/>
-            <a:ext cx="2971800" cy="458787"/>
+            <a:off x="3976333" y="8839014"/>
+            <a:ext cx="3041968" cy="466911"/>
           </a:xfrm>
           <a:prstGeom prst="rect">
             <a:avLst/>
           </a:prstGeom>
         </p:spPr>
         <p:txBody>
-          <a:bodyPr vert="horz" lIns="91440" tIns="45720" rIns="91440" bIns="45720" rtlCol="0" anchor="b"/>
+          <a:bodyPr vert="horz" lIns="93287" tIns="46644" rIns="93287" bIns="46644" rtlCol="0" anchor="b"/>
           <a:lstStyle>
             <a:lvl1pPr algn="r">
               <a:defRPr sz="1200"/>
@@ -368,14 +368,14 @@
         <p:spPr>
           <a:xfrm>
             <a:off x="0" y="0"/>
-            <a:ext cx="2971800" cy="458788"/>
+            <a:ext cx="3041968" cy="466912"/>
           </a:xfrm>
           <a:prstGeom prst="rect">
             <a:avLst/>
           </a:prstGeom>
         </p:spPr>
         <p:txBody>
-          <a:bodyPr vert="horz" lIns="91440" tIns="45720" rIns="91440" bIns="45720" rtlCol="0"/>
+          <a:bodyPr vert="horz" lIns="93287" tIns="46644" rIns="93287" bIns="46644" rtlCol="0"/>
           <a:lstStyle>
             <a:lvl1pPr algn="l">
               <a:defRPr sz="1200" b="0" i="0">
@@ -400,15 +400,15 @@
         </p:nvSpPr>
         <p:spPr>
           <a:xfrm>
-            <a:off x="3884613" y="0"/>
-            <a:ext cx="2971800" cy="458788"/>
+            <a:off x="3976333" y="0"/>
+            <a:ext cx="3041968" cy="466912"/>
           </a:xfrm>
           <a:prstGeom prst="rect">
             <a:avLst/>
           </a:prstGeom>
         </p:spPr>
         <p:txBody>
-          <a:bodyPr vert="horz" lIns="91440" tIns="45720" rIns="91440" bIns="45720" rtlCol="0"/>
+          <a:bodyPr vert="horz" lIns="93287" tIns="46644" rIns="93287" bIns="46644" rtlCol="0"/>
           <a:lstStyle>
             <a:lvl1pPr algn="r">
               <a:defRPr sz="1200" b="0" i="0">
@@ -420,7 +420,7 @@
             <a:fld id="{FD545FEF-5642-8644-A8CE-1A8BE6E2920A}" type="datetimeFigureOut">
               <a:rPr lang="en-US" smtClean="0"/>
               <a:pPr/>
-              <a:t>9/19/2019</a:t>
+              <a:t>9/23/2019</a:t>
             </a:fld>
             <a:endParaRPr lang="en-US" dirty="0"/>
           </a:p>
@@ -438,8 +438,8 @@
         </p:nvSpPr>
         <p:spPr>
           <a:xfrm>
-            <a:off x="685800" y="1143000"/>
-            <a:ext cx="5486400" cy="3086100"/>
+            <a:off x="719138" y="1163638"/>
+            <a:ext cx="5581650" cy="3140075"/>
           </a:xfrm>
           <a:prstGeom prst="rect">
             <a:avLst/>
@@ -452,7 +452,7 @@
           </a:ln>
         </p:spPr>
         <p:txBody>
-          <a:bodyPr vert="horz" lIns="91440" tIns="45720" rIns="91440" bIns="45720" rtlCol="0" anchor="ctr"/>
+          <a:bodyPr vert="horz" lIns="93287" tIns="46644" rIns="93287" bIns="46644" rtlCol="0" anchor="ctr"/>
           <a:lstStyle/>
           <a:p>
             <a:endParaRPr lang="en-US" dirty="0"/>
@@ -471,15 +471,15 @@
         </p:nvSpPr>
         <p:spPr>
           <a:xfrm>
-            <a:off x="685800" y="4400550"/>
-            <a:ext cx="5486400" cy="3600450"/>
+            <a:off x="701993" y="4478476"/>
+            <a:ext cx="5615940" cy="3664208"/>
           </a:xfrm>
           <a:prstGeom prst="rect">
             <a:avLst/>
           </a:prstGeom>
         </p:spPr>
         <p:txBody>
-          <a:bodyPr vert="horz" lIns="91440" tIns="45720" rIns="91440" bIns="45720" rtlCol="0"/>
+          <a:bodyPr vert="horz" lIns="93287" tIns="46644" rIns="93287" bIns="46644" rtlCol="0"/>
           <a:lstStyle/>
           <a:p>
             <a:pPr lvl="0"/>
@@ -530,15 +530,15 @@
         </p:nvSpPr>
         <p:spPr>
           <a:xfrm>
-            <a:off x="0" y="8685213"/>
-            <a:ext cx="2971800" cy="458787"/>
+            <a:off x="0" y="8839014"/>
+            <a:ext cx="3041968" cy="466911"/>
           </a:xfrm>
           <a:prstGeom prst="rect">
             <a:avLst/>
           </a:prstGeom>
         </p:spPr>
         <p:txBody>
-          <a:bodyPr vert="horz" lIns="91440" tIns="45720" rIns="91440" bIns="45720" rtlCol="0" anchor="b"/>
+          <a:bodyPr vert="horz" lIns="93287" tIns="46644" rIns="93287" bIns="46644" rtlCol="0" anchor="b"/>
           <a:lstStyle>
             <a:lvl1pPr algn="l">
               <a:defRPr sz="1200" b="0" i="0">
@@ -563,15 +563,15 @@
         </p:nvSpPr>
         <p:spPr>
           <a:xfrm>
-            <a:off x="3884613" y="8685213"/>
-            <a:ext cx="2971800" cy="458787"/>
+            <a:off x="3976333" y="8839014"/>
+            <a:ext cx="3041968" cy="466911"/>
           </a:xfrm>
           <a:prstGeom prst="rect">
             <a:avLst/>
           </a:prstGeom>
         </p:spPr>
         <p:txBody>
-          <a:bodyPr vert="horz" lIns="91440" tIns="45720" rIns="91440" bIns="45720" rtlCol="0" anchor="b"/>
+          <a:bodyPr vert="horz" lIns="93287" tIns="46644" rIns="93287" bIns="46644" rtlCol="0" anchor="b"/>
           <a:lstStyle>
             <a:lvl1pPr algn="r">
               <a:defRPr sz="1200" b="0" i="0">
@@ -737,102 +737,22 @@
           <a:lstStyle/>
           <a:p>
             <a:r>
-              <a:rPr lang="en-US" sz="1200" b="0" i="0" kern="1200" dirty="0">
-                <a:solidFill>
-                  <a:schemeClr val="tx1"/>
-                </a:solidFill>
-                <a:effectLst/>
-                <a:latin typeface="Proxima Nova Regular" charset="0"/>
-                <a:ea typeface="+mn-ea"/>
-                <a:cs typeface="+mn-cs"/>
-              </a:rPr>
+              <a:rPr lang="en-US" dirty="0"/>
               <a:t>Hello and welcome to </a:t>
             </a:r>
             <a:r>
-              <a:rPr lang="en-US" sz="1200" b="0" i="0" kern="1200" dirty="0">
-                <a:solidFill>
-                  <a:schemeClr val="tx1"/>
-                </a:solidFill>
-                <a:latin typeface="Proxima Nova Regular" charset="0"/>
+              <a:rPr lang="en-US" dirty="0">
                 <a:ea typeface="Arial" charset="0"/>
                 <a:cs typeface="Aharoni" pitchFamily="2" charset="-79"/>
               </a:rPr>
-              <a:t>TRTH on Jupyter Notebook Quick Start </a:t>
-            </a:r>
-            <a:r>
-              <a:rPr lang="en-US" sz="1200" dirty="0">
-                <a:ea typeface="Arial" charset="0"/>
-                <a:cs typeface="Aharoni" pitchFamily="2" charset="-79"/>
-              </a:rPr>
-              <a:t>Video. </a:t>
+              <a:t>Tick History on Jupyter Notebook Quick Start Video. </a:t>
             </a:r>
           </a:p>
           <a:p>
             <a:r>
               <a:rPr lang="en-US" dirty="0"/>
-              <a:t>The goal of this video is to demonstrate </a:t>
-            </a:r>
-            <a:r>
-              <a:rPr lang="en-US" sz="1200" b="0" i="0" kern="1200" dirty="0">
-                <a:solidFill>
-                  <a:schemeClr val="tx1"/>
-                </a:solidFill>
-                <a:effectLst/>
-                <a:latin typeface="Proxima Nova Regular" charset="0"/>
-                <a:ea typeface="+mn-ea"/>
-                <a:cs typeface="+mn-cs"/>
-              </a:rPr>
-              <a:t>how to request</a:t>
-            </a:r>
-            <a:r>
-              <a:rPr lang="en-US" sz="1200" b="0" i="0" kern="1200" baseline="0" dirty="0">
-                <a:solidFill>
-                  <a:schemeClr val="tx1"/>
-                </a:solidFill>
-                <a:effectLst/>
-                <a:latin typeface="Proxima Nova Regular" charset="0"/>
-                <a:ea typeface="+mn-ea"/>
-                <a:cs typeface="+mn-cs"/>
-              </a:rPr>
-              <a:t> tick history data</a:t>
-            </a:r>
-            <a:r>
-              <a:rPr lang="en-US" sz="1200" b="0" i="0" kern="1200" dirty="0">
-                <a:solidFill>
-                  <a:schemeClr val="tx1"/>
-                </a:solidFill>
-                <a:effectLst/>
-                <a:latin typeface="Proxima Nova Regular" charset="0"/>
-                <a:ea typeface="+mn-ea"/>
-                <a:cs typeface="+mn-cs"/>
-              </a:rPr>
-              <a:t> on</a:t>
-            </a:r>
-            <a:r>
-              <a:rPr lang="en-US" sz="1200" b="0" i="0" kern="1200" baseline="0" dirty="0">
-                <a:solidFill>
-                  <a:schemeClr val="tx1"/>
-                </a:solidFill>
-                <a:effectLst/>
-                <a:latin typeface="Proxima Nova Regular" charset="0"/>
-                <a:ea typeface="+mn-ea"/>
-                <a:cs typeface="+mn-cs"/>
-              </a:rPr>
-              <a:t> </a:t>
-            </a:r>
-            <a:r>
-              <a:rPr lang="en-US" sz="1200" b="0" i="0" kern="1200" dirty="0">
-                <a:solidFill>
-                  <a:schemeClr val="tx1"/>
-                </a:solidFill>
-                <a:effectLst/>
-                <a:latin typeface="Proxima Nova Regular" charset="0"/>
-                <a:ea typeface="+mn-ea"/>
-                <a:cs typeface="+mn-cs"/>
-              </a:rPr>
-              <a:t>demand on Jupyter Notebook. </a:t>
-            </a:r>
-            <a:endParaRPr lang="en-US" dirty="0"/>
+              <a:t>The goal of this video is to demonstrate how to request tick history data on demand on Jupyter Notebook. </a:t>
+            </a:r>
           </a:p>
         </p:txBody>
       </p:sp>
@@ -920,86 +840,15 @@
           <a:lstStyle/>
           <a:p>
             <a:r>
-              <a:rPr lang="en-US" sz="1200" b="0" i="0" kern="1200" dirty="0">
-                <a:solidFill>
-                  <a:schemeClr val="tx1"/>
-                </a:solidFill>
-                <a:effectLst/>
-                <a:latin typeface="Proxima Nova Regular" charset="0"/>
-                <a:ea typeface="+mn-ea"/>
-                <a:cs typeface="+mn-cs"/>
-              </a:rPr>
-              <a:t>What is TRTH?</a:t>
-            </a:r>
-          </a:p>
-          <a:p>
-            <a:r>
-              <a:rPr lang="en-US" sz="1200" b="0" i="0" kern="1200" dirty="0">
-                <a:solidFill>
-                  <a:schemeClr val="tx1"/>
-                </a:solidFill>
-                <a:effectLst/>
-                <a:latin typeface="Proxima Nova Regular" charset="0"/>
-                <a:ea typeface="+mn-ea"/>
-                <a:cs typeface="+mn-cs"/>
-              </a:rPr>
-              <a:t>TRTH or Thomson Reuters Tick History is an Internet-hosted product on the DataScope Select platform or DSS. TRTH is a historical market data service, offering global data </a:t>
-            </a:r>
-            <a:r>
-              <a:rPr lang="en-US" sz="1200" b="0" i="0" kern="1200" dirty="0">
-                <a:solidFill>
-                  <a:schemeClr val="tx1"/>
-                </a:solidFill>
-                <a:latin typeface="Proxima Nova Regular" charset="0"/>
-                <a:ea typeface="+mn-ea"/>
-                <a:cs typeface="+mn-cs"/>
-              </a:rPr>
-              <a:t>dating back to January 1996 </a:t>
-            </a:r>
-            <a:r>
-              <a:rPr lang="en-US" sz="1200" b="0" i="0" kern="1200" dirty="0">
-                <a:solidFill>
-                  <a:schemeClr val="tx1"/>
-                </a:solidFill>
-                <a:effectLst/>
-                <a:latin typeface="Proxima Nova Regular" charset="0"/>
-                <a:ea typeface="+mn-ea"/>
-                <a:cs typeface="+mn-cs"/>
-              </a:rPr>
-              <a:t>. For example, </a:t>
-            </a:r>
-            <a:r>
-              <a:rPr lang="en-US" sz="1200" b="0" i="0" kern="1200" dirty="0">
-                <a:solidFill>
-                  <a:schemeClr val="tx1"/>
-                </a:solidFill>
-                <a:latin typeface="Proxima Nova Regular" charset="0"/>
-                <a:ea typeface="+mn-ea"/>
-                <a:cs typeface="+mn-cs"/>
-              </a:rPr>
-              <a:t>intraday summaries, end of days prices, time and sales, market depth and raw data. TRTH provides</a:t>
-            </a:r>
-            <a:r>
-              <a:rPr lang="en-US" sz="1200" b="0" i="0" kern="1200" dirty="0">
-                <a:solidFill>
-                  <a:schemeClr val="tx1"/>
-                </a:solidFill>
-                <a:effectLst/>
-                <a:latin typeface="Proxima Nova Regular" charset="0"/>
-                <a:ea typeface="+mn-ea"/>
-                <a:cs typeface="+mn-cs"/>
-              </a:rPr>
-              <a:t> REST API to access all data. In this video, I will demonstrate how to retrieve intraday summaries using an on-demand request.</a:t>
-            </a:r>
-            <a:endParaRPr lang="en-US" sz="1200" b="0" i="0" u="none" kern="1200" dirty="0">
-              <a:solidFill>
-                <a:schemeClr val="tx1"/>
-              </a:solidFill>
-              <a:effectLst/>
-              <a:latin typeface="Proxima Nova Regular" charset="0"/>
-              <a:ea typeface="+mn-ea"/>
-              <a:cs typeface="+mn-cs"/>
-            </a:endParaRPr>
+              <a:rPr lang="en-US" dirty="0"/>
+              <a:t>What is Tick History?</a:t>
+            </a:r>
+          </a:p>
+          <a:p>
+            <a:r>
+              <a:rPr lang="en-US" dirty="0"/>
+              <a:t>Tick History or TRTH is an Internet-hosted product on the DataScope Select platform or DSS. TRTH is a historical market data service, offering global data dating back to January 1996, for example, intraday summaries, end of days prices, time and sales. TRTH provides REST API to access all data. </a:t>
+            </a:r>
           </a:p>
         </p:txBody>
       </p:sp>
@@ -1085,297 +934,67 @@
           <a:lstStyle/>
           <a:p>
             <a:r>
-              <a:rPr lang="en-US" sz="1200" b="0" i="0" kern="1200" dirty="0">
-                <a:solidFill>
-                  <a:schemeClr val="tx1"/>
-                </a:solidFill>
-                <a:effectLst/>
-                <a:latin typeface="Proxima Nova Regular" charset="0"/>
-                <a:ea typeface="+mn-ea"/>
-                <a:cs typeface="+mn-cs"/>
-              </a:rPr>
+              <a:rPr lang="en-US" dirty="0"/>
               <a:t>Here is the workflow of </a:t>
             </a:r>
             <a:r>
-              <a:rPr lang="en-GB" sz="800" b="0" i="0" kern="1200" dirty="0">
-                <a:solidFill>
-                  <a:schemeClr val="tx1"/>
-                </a:solidFill>
-                <a:latin typeface="Proxima Nova Regular" charset="0"/>
-                <a:ea typeface="+mn-ea"/>
-                <a:cs typeface="+mn-cs"/>
-              </a:rPr>
+              <a:rPr lang="en-GB" sz="800" dirty="0"/>
               <a:t>On Demand Data Extraction </a:t>
             </a:r>
-            <a:endParaRPr lang="en-US" sz="1200" b="0" i="0" kern="1200" dirty="0">
-              <a:solidFill>
-                <a:schemeClr val="tx1"/>
-              </a:solidFill>
-              <a:effectLst/>
-              <a:latin typeface="Proxima Nova Regular" charset="0"/>
-              <a:ea typeface="+mn-ea"/>
-              <a:cs typeface="+mn-cs"/>
-            </a:endParaRPr>
+            <a:endParaRPr lang="en-US" dirty="0"/>
           </a:p>
           <a:p>
             <a:r>
               <a:rPr lang="en-US" dirty="0"/>
-              <a:t>First, request authentication token using </a:t>
-            </a:r>
-            <a:r>
-              <a:rPr lang="en-US" sz="1200" b="0" i="0" kern="1200" dirty="0">
-                <a:solidFill>
-                  <a:schemeClr val="tx1"/>
-                </a:solidFill>
-                <a:effectLst/>
-                <a:latin typeface="Proxima Nova Regular" charset="0"/>
-                <a:ea typeface="+mn-ea"/>
-                <a:cs typeface="+mn-cs"/>
-              </a:rPr>
-              <a:t>the DSS username and password. The TRTH REST API requires the a</a:t>
-            </a:r>
+              <a:t>First, request authentication token using the DSS username and password. The TRTH REST API requires the authentication token to access any data. </a:t>
+            </a:r>
+          </a:p>
+          <a:p>
+            <a:endParaRPr lang="en-US" dirty="0"/>
+          </a:p>
+          <a:p>
             <a:r>
               <a:rPr lang="en-US" dirty="0"/>
-              <a:t>uthentication</a:t>
-            </a:r>
-            <a:r>
-              <a:rPr lang="en-US" sz="1200" b="0" i="0" kern="1200" dirty="0">
-                <a:solidFill>
-                  <a:schemeClr val="tx1"/>
-                </a:solidFill>
-                <a:effectLst/>
-                <a:latin typeface="Proxima Nova Regular" charset="0"/>
-                <a:ea typeface="+mn-ea"/>
-                <a:cs typeface="+mn-cs"/>
-              </a:rPr>
-              <a:t> token to access any data. </a:t>
-            </a:r>
+              <a:t>Then, request for data type using an on-demand request with authentication token. The request will be queued then executed. </a:t>
+            </a:r>
+          </a:p>
+          <a:p>
             <a:endParaRPr lang="en-US" dirty="0"/>
           </a:p>
           <a:p>
-            <a:endParaRPr lang="en-US" sz="1200" b="0" i="0" kern="1200" dirty="0">
-              <a:solidFill>
-                <a:schemeClr val="tx1"/>
-              </a:solidFill>
-              <a:effectLst/>
-              <a:latin typeface="Proxima Nova Regular" charset="0"/>
-              <a:ea typeface="+mn-ea"/>
-              <a:cs typeface="+mn-cs"/>
-            </a:endParaRPr>
-          </a:p>
-          <a:p>
-            <a:r>
-              <a:rPr lang="en-US" sz="1200" b="0" i="0" kern="1200" dirty="0">
-                <a:solidFill>
-                  <a:schemeClr val="tx1"/>
-                </a:solidFill>
-                <a:effectLst/>
-                <a:latin typeface="Proxima Nova Regular" charset="0"/>
-                <a:ea typeface="+mn-ea"/>
-                <a:cs typeface="+mn-cs"/>
-              </a:rPr>
-              <a:t>Then, request for data type</a:t>
-            </a:r>
             <a:r>
               <a:rPr lang="en-US" dirty="0"/>
-              <a:t> using an on-demand request with authentication token. The request will be queued then executed.</a:t>
-            </a:r>
-            <a:r>
-              <a:rPr lang="en-US" sz="1200" b="0" i="0" kern="1200" dirty="0">
-                <a:solidFill>
-                  <a:schemeClr val="tx1"/>
-                </a:solidFill>
-                <a:effectLst/>
-                <a:latin typeface="Proxima Nova Regular" charset="0"/>
-                <a:ea typeface="+mn-ea"/>
-                <a:cs typeface="+mn-cs"/>
-              </a:rPr>
+              <a:t>Next,</a:t>
+            </a:r>
+            <a:r>
+              <a:rPr lang="en-US" b="1" dirty="0"/>
               <a:t> </a:t>
             </a:r>
-          </a:p>
-          <a:p>
-            <a:endParaRPr lang="en-US" sz="1200" b="0" i="0" kern="1200" dirty="0">
-              <a:solidFill>
-                <a:schemeClr val="tx1"/>
-              </a:solidFill>
-              <a:effectLst/>
-              <a:latin typeface="Proxima Nova Regular" charset="0"/>
-              <a:ea typeface="+mn-ea"/>
-              <a:cs typeface="+mn-cs"/>
-            </a:endParaRPr>
-          </a:p>
-          <a:p>
-            <a:r>
-              <a:rPr lang="en-US" sz="1200" b="0" i="0" kern="1200" dirty="0">
-                <a:solidFill>
-                  <a:schemeClr val="tx1"/>
-                </a:solidFill>
-                <a:effectLst/>
-                <a:latin typeface="Proxima Nova Regular" charset="0"/>
-                <a:ea typeface="+mn-ea"/>
-                <a:cs typeface="+mn-cs"/>
-              </a:rPr>
-              <a:t>Next,</a:t>
-            </a:r>
-            <a:r>
-              <a:rPr lang="en-US" sz="1200" b="1" i="0" kern="1200" dirty="0">
-                <a:solidFill>
-                  <a:schemeClr val="tx1"/>
-                </a:solidFill>
-                <a:effectLst/>
-                <a:latin typeface="Proxima Nova Regular" charset="0"/>
-                <a:ea typeface="+mn-ea"/>
-                <a:cs typeface="+mn-cs"/>
-              </a:rPr>
+            <a:r>
+              <a:rPr lang="en-US" dirty="0"/>
+              <a:t>check the status of the request, by polling it until the request is completed.</a:t>
+            </a:r>
+          </a:p>
+          <a:p>
+            <a:endParaRPr lang="en-US" dirty="0"/>
+          </a:p>
+          <a:p>
+            <a:r>
+              <a:rPr lang="en-US" dirty="0"/>
+              <a:t>Finally,  retrieve data from TRTH which supports all tick history data types or[enter] Amazon Web Services cloud(AWS) which supports</a:t>
+            </a:r>
+          </a:p>
+          <a:p>
+            <a:r>
+              <a:rPr lang="en-US" dirty="0"/>
+              <a:t>Time and Sales, Market Depth, Intraday Summaries and Raw data types. Downloading from AWS is optional but recommended because it delivers faster downloads than TRTH.</a:t>
+            </a:r>
+          </a:p>
+          <a:p>
+            <a:r>
+              <a:rPr lang="en-US" dirty="0"/>
               <a:t> </a:t>
             </a:r>
-            <a:r>
-              <a:rPr lang="en-US" sz="1200" b="0" i="0" kern="1200" dirty="0">
-                <a:solidFill>
-                  <a:schemeClr val="tx1"/>
-                </a:solidFill>
-                <a:effectLst/>
-                <a:latin typeface="Proxima Nova Regular" charset="0"/>
-                <a:ea typeface="+mn-ea"/>
-                <a:cs typeface="+mn-cs"/>
-              </a:rPr>
-              <a:t>check the status of the request, by polling it </a:t>
-            </a:r>
-            <a:r>
-              <a:rPr lang="en-US" dirty="0"/>
-              <a:t>until the request is completed.</a:t>
-            </a:r>
-            <a:endParaRPr lang="en-US" sz="1200" b="0" i="0" kern="1200" dirty="0">
-              <a:solidFill>
-                <a:schemeClr val="tx1"/>
-              </a:solidFill>
-              <a:effectLst/>
-              <a:latin typeface="Proxima Nova Regular" charset="0"/>
-              <a:ea typeface="+mn-ea"/>
-              <a:cs typeface="+mn-cs"/>
-            </a:endParaRPr>
-          </a:p>
-          <a:p>
-            <a:endParaRPr lang="en-US" sz="1200" b="0" i="0" kern="1200" dirty="0">
-              <a:solidFill>
-                <a:schemeClr val="tx1"/>
-              </a:solidFill>
-              <a:effectLst/>
-              <a:latin typeface="Proxima Nova Regular" charset="0"/>
-              <a:ea typeface="+mn-ea"/>
-              <a:cs typeface="+mn-cs"/>
-            </a:endParaRPr>
-          </a:p>
-          <a:p>
-            <a:r>
-              <a:rPr lang="en-US" sz="1200" b="0" i="0" kern="1200" dirty="0">
-                <a:solidFill>
-                  <a:schemeClr val="tx1"/>
-                </a:solidFill>
-                <a:effectLst/>
-                <a:latin typeface="Proxima Nova Regular" charset="0"/>
-                <a:ea typeface="+mn-ea"/>
-                <a:cs typeface="+mn-cs"/>
-              </a:rPr>
-              <a:t>Finally,  retrieve data from TRTH</a:t>
-            </a:r>
-            <a:r>
-              <a:rPr lang="en-US" sz="1200" b="0" i="0" kern="1200" baseline="0" dirty="0">
-                <a:solidFill>
-                  <a:schemeClr val="tx1"/>
-                </a:solidFill>
-                <a:effectLst/>
-                <a:latin typeface="Proxima Nova Regular" charset="0"/>
-                <a:ea typeface="+mn-ea"/>
-                <a:cs typeface="+mn-cs"/>
-              </a:rPr>
-              <a:t> which supports all tick history data types or Amazon Web Services cloud(AWS)</a:t>
-            </a:r>
-            <a:r>
-              <a:rPr lang="en-US" sz="1200" b="0" i="0" kern="1200" dirty="0">
-                <a:solidFill>
-                  <a:schemeClr val="tx1"/>
-                </a:solidFill>
-                <a:latin typeface="Proxima Nova Regular" charset="0"/>
-                <a:ea typeface="+mn-ea"/>
-                <a:cs typeface="+mn-cs"/>
-              </a:rPr>
-              <a:t>AWS which supports</a:t>
-            </a:r>
-          </a:p>
-          <a:p>
-            <a:r>
-              <a:rPr lang="en-US" sz="1200" b="0" i="0" kern="1200" dirty="0">
-                <a:solidFill>
-                  <a:schemeClr val="tx1"/>
-                </a:solidFill>
-                <a:effectLst/>
-                <a:latin typeface="Proxima Nova Regular" charset="0"/>
-                <a:ea typeface="+mn-ea"/>
-                <a:cs typeface="+mn-cs"/>
-              </a:rPr>
-              <a:t>Time and Sales, Market Depth, Intraday Summaries and Raw data types. Downloading from AWS is optional but recommended</a:t>
-            </a:r>
-            <a:r>
-              <a:rPr lang="en-US" sz="1200" b="0" i="0" kern="1200" baseline="0" dirty="0">
-                <a:solidFill>
-                  <a:schemeClr val="tx1"/>
-                </a:solidFill>
-                <a:effectLst/>
-                <a:latin typeface="Proxima Nova Regular" charset="0"/>
-                <a:ea typeface="+mn-ea"/>
-                <a:cs typeface="+mn-cs"/>
-              </a:rPr>
-              <a:t> because </a:t>
-            </a:r>
-            <a:r>
-              <a:rPr lang="en-US" sz="1200" b="0" i="0" kern="1200" dirty="0">
-                <a:solidFill>
-                  <a:schemeClr val="tx1"/>
-                </a:solidFill>
-                <a:effectLst/>
-                <a:latin typeface="Proxima Nova Regular" charset="0"/>
-                <a:ea typeface="+mn-ea"/>
-                <a:cs typeface="+mn-cs"/>
-              </a:rPr>
-              <a:t>it delivers faster downloads</a:t>
-            </a:r>
-            <a:r>
-              <a:rPr lang="en-US" sz="1200" b="0" i="0" kern="1200" baseline="0" dirty="0">
-                <a:solidFill>
-                  <a:schemeClr val="tx1"/>
-                </a:solidFill>
-                <a:effectLst/>
-                <a:latin typeface="Proxima Nova Regular" charset="0"/>
-                <a:ea typeface="+mn-ea"/>
-                <a:cs typeface="+mn-cs"/>
-              </a:rPr>
-              <a:t> than TRTH.</a:t>
-            </a:r>
-            <a:endParaRPr lang="en-US" sz="1200" b="0" i="0" kern="1200" dirty="0">
-              <a:solidFill>
-                <a:schemeClr val="tx1"/>
-              </a:solidFill>
-              <a:effectLst/>
-              <a:latin typeface="Proxima Nova Regular" charset="0"/>
-              <a:ea typeface="+mn-ea"/>
-              <a:cs typeface="+mn-cs"/>
-            </a:endParaRPr>
-          </a:p>
-          <a:p>
-            <a:r>
-              <a:rPr lang="en-US" sz="1200" b="0" i="0" kern="1200" dirty="0">
-                <a:solidFill>
-                  <a:schemeClr val="tx1"/>
-                </a:solidFill>
-                <a:effectLst/>
-                <a:latin typeface="Proxima Nova Regular" charset="0"/>
-                <a:ea typeface="+mn-ea"/>
-                <a:cs typeface="+mn-cs"/>
-              </a:rPr>
-              <a:t> </a:t>
-            </a:r>
-            <a:endParaRPr lang="en-US" dirty="0"/>
           </a:p>
         </p:txBody>
       </p:sp>
@@ -1463,70 +1082,14 @@
           <a:lstStyle/>
           <a:p>
             <a:r>
-              <a:rPr lang="en-US" sz="1200" b="0" i="0" u="none" kern="1200" dirty="0">
-                <a:solidFill>
-                  <a:schemeClr val="tx1"/>
-                </a:solidFill>
-                <a:effectLst/>
-                <a:latin typeface="Proxima Nova Regular" charset="0"/>
-                <a:ea typeface="+mn-ea"/>
-                <a:cs typeface="+mn-cs"/>
-              </a:rPr>
+              <a:rPr lang="en-US" dirty="0"/>
               <a:t>Here are the prerequisites for the demo</a:t>
             </a:r>
           </a:p>
           <a:p>
             <a:r>
-              <a:rPr lang="en-US" sz="1200" b="0" i="0" kern="1200" dirty="0">
-                <a:solidFill>
-                  <a:schemeClr val="tx1"/>
-                </a:solidFill>
-                <a:effectLst/>
-                <a:latin typeface="Proxima Nova Regular" charset="0"/>
-                <a:ea typeface="+mn-ea"/>
-                <a:cs typeface="+mn-cs"/>
-              </a:rPr>
-              <a:t>Download</a:t>
-            </a:r>
-            <a:r>
-              <a:rPr lang="en-US" sz="1200" b="0" i="0" kern="1200" baseline="0" dirty="0">
-                <a:solidFill>
-                  <a:schemeClr val="tx1"/>
-                </a:solidFill>
-                <a:effectLst/>
-                <a:latin typeface="Proxima Nova Regular" charset="0"/>
-                <a:ea typeface="+mn-ea"/>
-                <a:cs typeface="+mn-cs"/>
-              </a:rPr>
-              <a:t> </a:t>
-            </a:r>
-            <a:r>
-              <a:rPr lang="en-US" sz="1200" b="0" i="0" kern="1200" dirty="0">
-                <a:solidFill>
-                  <a:schemeClr val="tx1"/>
-                </a:solidFill>
-                <a:effectLst/>
-                <a:latin typeface="Proxima Nova Regular" charset="0"/>
-                <a:ea typeface="+mn-ea"/>
-                <a:cs typeface="+mn-cs"/>
-              </a:rPr>
-              <a:t>the</a:t>
-            </a:r>
-            <a:r>
-              <a:rPr lang="en-US" sz="1200" b="0" i="0" kern="1200" baseline="0" dirty="0">
-                <a:solidFill>
-                  <a:schemeClr val="tx1"/>
-                </a:solidFill>
-                <a:effectLst/>
-                <a:latin typeface="Proxima Nova Regular" charset="0"/>
-                <a:ea typeface="+mn-ea"/>
-                <a:cs typeface="+mn-cs"/>
-              </a:rPr>
-              <a:t> Python s</a:t>
-            </a:r>
-            <a:r>
               <a:rPr lang="en-US" dirty="0"/>
-              <a:t>ample</a:t>
+              <a:t>Download the Python sample</a:t>
             </a:r>
             <a:r>
               <a:rPr lang="en-US" baseline="0" dirty="0"/>
@@ -1541,85 +1104,17 @@
               <a:t> Github </a:t>
             </a:r>
             <a:r>
-              <a:rPr lang="en-US" sz="1050" b="0" i="0" kern="1200" dirty="0">
-                <a:solidFill>
-                  <a:schemeClr val="tx1"/>
-                </a:solidFill>
-                <a:latin typeface="Proxima Nova Regular" charset="0"/>
-                <a:ea typeface="+mn-ea"/>
-                <a:cs typeface="+mn-cs"/>
-              </a:rPr>
-              <a:t>at the link. You also need python 3.6 or higher and Jupyter Notebook to run the </a:t>
-            </a:r>
-            <a:r>
-              <a:rPr lang="en-US" sz="1050" b="0" i="0" kern="1200" dirty="0">
-                <a:solidFill>
-                  <a:schemeClr val="tx1"/>
-                </a:solidFill>
-                <a:effectLst/>
-                <a:latin typeface="Proxima Nova Regular" charset="0"/>
-                <a:ea typeface="+mn-ea"/>
-                <a:cs typeface="+mn-cs"/>
-              </a:rPr>
-              <a:t>notebook file. DSS username and password which is permissioned for TRTH content. To</a:t>
-            </a:r>
-            <a:r>
-              <a:rPr lang="en-US" sz="1050" b="0" i="0" kern="1200" baseline="0" dirty="0">
-                <a:solidFill>
-                  <a:schemeClr val="tx1"/>
-                </a:solidFill>
-                <a:effectLst/>
-                <a:latin typeface="Proxima Nova Regular" charset="0"/>
-                <a:ea typeface="+mn-ea"/>
-                <a:cs typeface="+mn-cs"/>
-              </a:rPr>
-              <a:t> </a:t>
-            </a:r>
-            <a:r>
-              <a:rPr lang="en-US" sz="1050" b="0" i="0" kern="1200" dirty="0">
-                <a:solidFill>
-                  <a:schemeClr val="tx1"/>
-                </a:solidFill>
-                <a:effectLst/>
-                <a:latin typeface="Proxima Nova Regular" charset="0"/>
-                <a:ea typeface="+mn-ea"/>
-                <a:cs typeface="+mn-cs"/>
-              </a:rPr>
-              <a:t>obtain DSS account, </a:t>
-            </a:r>
-            <a:r>
-              <a:rPr lang="en-US" sz="1200" b="0" i="0" kern="1200" dirty="0">
-                <a:solidFill>
-                  <a:schemeClr val="tx1"/>
-                </a:solidFill>
-                <a:effectLst/>
-                <a:latin typeface="Proxima Nova Regular" charset="0"/>
-                <a:ea typeface="+mn-ea"/>
-                <a:cs typeface="+mn-cs"/>
-              </a:rPr>
-              <a:t>please contact Refinitiv account team</a:t>
-            </a:r>
-            <a:r>
-              <a:rPr lang="en-US" sz="1200" b="0" i="0" kern="1200" baseline="0" dirty="0">
-                <a:solidFill>
-                  <a:schemeClr val="tx1"/>
-                </a:solidFill>
-                <a:effectLst/>
-                <a:latin typeface="Proxima Nova Regular" charset="0"/>
-                <a:ea typeface="+mn-ea"/>
-                <a:cs typeface="+mn-cs"/>
-              </a:rPr>
-              <a:t> for process and details.</a:t>
-            </a:r>
-            <a:endParaRPr lang="en-US" sz="1200" b="0" i="0" u="none" kern="1200" dirty="0">
-              <a:solidFill>
-                <a:schemeClr val="tx1"/>
-              </a:solidFill>
-              <a:effectLst/>
-              <a:latin typeface="Proxima Nova Regular" charset="0"/>
-              <a:ea typeface="+mn-ea"/>
-              <a:cs typeface="+mn-cs"/>
-            </a:endParaRPr>
+              <a:rPr lang="en-US" sz="1100" b="1" dirty="0"/>
+              <a:t>at the link</a:t>
+            </a:r>
+            <a:r>
+              <a:rPr lang="en-US" sz="1100" dirty="0"/>
+              <a:t>. You also need python 3.6 or higher and Jupyter Notebook to run the notebook file. DSS username and password which is permissioned for TRTH content. To obtain DSS account, </a:t>
+            </a:r>
+            <a:r>
+              <a:rPr lang="en-US" dirty="0"/>
+              <a:t>please contact Refinitiv account team for process and details.</a:t>
+            </a:r>
           </a:p>
         </p:txBody>
       </p:sp>
@@ -1700,15 +1195,7 @@
           <a:lstStyle/>
           <a:p>
             <a:r>
-              <a:rPr lang="en-US" sz="1200" b="0" i="0" u="none" kern="1200" dirty="0">
-                <a:solidFill>
-                  <a:schemeClr val="tx1"/>
-                </a:solidFill>
-                <a:effectLst/>
-                <a:latin typeface="Proxima Nova Regular" charset="0"/>
-                <a:ea typeface="+mn-ea"/>
-                <a:cs typeface="+mn-cs"/>
-              </a:rPr>
+              <a:rPr lang="en-US" dirty="0"/>
               <a:t>Let’s see the Demo</a:t>
             </a:r>
             <a:endParaRPr lang="en-US" u="none" dirty="0"/>
@@ -1796,33 +1283,11 @@
           <a:bodyPr/>
           <a:lstStyle/>
           <a:p>
-            <a:pPr marL="0" marR="0" lvl="0" indent="0" algn="l" defTabSz="914400" rtl="0" eaLnBrk="1" fontAlgn="auto" latinLnBrk="0" hangingPunct="1">
-              <a:lnSpc>
-                <a:spcPct val="100000"/>
-              </a:lnSpc>
-              <a:spcBef>
-                <a:spcPts val="0"/>
-              </a:spcBef>
-              <a:spcAft>
-                <a:spcPts val="0"/>
-              </a:spcAft>
-              <a:buClrTx/>
-              <a:buSzTx/>
-              <a:buFontTx/>
-              <a:buNone/>
-              <a:tabLst/>
+            <a:pPr defTabSz="932871">
               <a:defRPr/>
             </a:pPr>
             <a:r>
-              <a:rPr lang="en-US" sz="1200" b="0" i="0" kern="1200" dirty="0">
-                <a:solidFill>
-                  <a:schemeClr val="tx1"/>
-                </a:solidFill>
-                <a:effectLst/>
-                <a:latin typeface="Proxima Nova Regular" charset="0"/>
-                <a:ea typeface="+mn-ea"/>
-                <a:cs typeface="+mn-cs"/>
-              </a:rPr>
+              <a:rPr lang="en-US" dirty="0"/>
               <a:t>And that’s all for this video. Thank you for watching and you can find more details about TRTH and other Refinitiv’s APIs at developers.refinitiv.com</a:t>
             </a:r>
           </a:p>
@@ -2044,7 +1509,7 @@
             <a:fld id="{5BD4AFC6-4750-2141-8F4F-DAA9466C500E}" type="datetime4">
               <a:rPr lang="en-US" smtClean="0"/>
               <a:pPr/>
-              <a:t>September 19, 2019</a:t>
+              <a:t>September 23, 2019</a:t>
             </a:fld>
             <a:endParaRPr lang="en-US" dirty="0"/>
           </a:p>
@@ -5015,7 +4480,7 @@
             <a:fld id="{DA56455B-B280-5C44-8C4E-81F4C44C451B}" type="datetime4">
               <a:rPr lang="en-US" smtClean="0"/>
               <a:pPr/>
-              <a:t>September 19, 2019</a:t>
+              <a:t>September 23, 2019</a:t>
             </a:fld>
             <a:endParaRPr lang="en-US" dirty="0"/>
           </a:p>
@@ -9165,7 +8630,7 @@
             <a:fld id="{1823323D-B9D1-CD43-A6C7-68FD8DB5F140}" type="datetime4">
               <a:rPr lang="en-US" smtClean="0"/>
               <a:pPr/>
-              <a:t>September 19, 2019</a:t>
+              <a:t>September 23, 2019</a:t>
             </a:fld>
             <a:endParaRPr lang="en-US" dirty="0"/>
           </a:p>
@@ -9534,7 +8999,7 @@
             <a:fld id="{A926F648-C8C0-BE41-91A4-455C8E403BFD}" type="datetime4">
               <a:rPr lang="en-US" smtClean="0"/>
               <a:pPr/>
-              <a:t>September 19, 2019</a:t>
+              <a:t>September 23, 2019</a:t>
             </a:fld>
             <a:endParaRPr lang="en-US" dirty="0"/>
           </a:p>
@@ -9856,7 +9321,7 @@
             <a:fld id="{A55EAFBF-7A47-9C49-8386-4083CB246577}" type="datetime4">
               <a:rPr lang="en-US" smtClean="0"/>
               <a:pPr/>
-              <a:t>September 19, 2019</a:t>
+              <a:t>September 23, 2019</a:t>
             </a:fld>
             <a:endParaRPr lang="en-US" dirty="0"/>
           </a:p>
@@ -10213,7 +9678,7 @@
             <a:fld id="{03A3518A-20AE-6B44-8F27-D9A81E7AB0A8}" type="datetime4">
               <a:rPr lang="en-US" smtClean="0"/>
               <a:pPr/>
-              <a:t>September 19, 2019</a:t>
+              <a:t>September 23, 2019</a:t>
             </a:fld>
             <a:endParaRPr lang="en-US" dirty="0"/>
           </a:p>
@@ -10536,7 +10001,7 @@
             <a:fld id="{BA75C168-905C-8C46-BFF2-E40BDEE41690}" type="datetime4">
               <a:rPr lang="en-US" smtClean="0"/>
               <a:pPr/>
-              <a:t>September 19, 2019</a:t>
+              <a:t>September 23, 2019</a:t>
             </a:fld>
             <a:endParaRPr lang="en-US" dirty="0"/>
           </a:p>
@@ -10923,7 +10388,7 @@
             <a:fld id="{D131E516-DECB-8C49-96B2-38C9D0502881}" type="datetime4">
               <a:rPr lang="en-US" smtClean="0"/>
               <a:pPr/>
-              <a:t>September 19, 2019</a:t>
+              <a:t>September 23, 2019</a:t>
             </a:fld>
             <a:endParaRPr lang="en-US" dirty="0"/>
           </a:p>
@@ -11270,7 +10735,7 @@
             <a:fld id="{50BA0A35-0271-E94F-8295-304203FC3BCF}" type="datetime4">
               <a:rPr lang="en-US" smtClean="0"/>
               <a:pPr/>
-              <a:t>September 19, 2019</a:t>
+              <a:t>September 23, 2019</a:t>
             </a:fld>
             <a:endParaRPr lang="en-US" dirty="0"/>
           </a:p>
@@ -12260,7 +11725,7 @@
               <a:rPr lang="en-US" sz="1800" dirty="0">
                 <a:latin typeface="+mn-lt"/>
               </a:rPr>
-              <a:t>Global data dating back to January 1996 e.g. intraday summaries, end of days prices, time and sales, market depth and raw data.</a:t>
+              <a:t>Global data dating back to January 1996 e.g. intraday summaries, end of days prices, time and sales.</a:t>
             </a:r>
           </a:p>
           <a:p>
@@ -12340,7 +11805,7 @@
               <a:rPr lang="en-US" dirty="0">
                 <a:latin typeface="+mj-lt"/>
               </a:rPr>
-              <a:t>What is TRTH?</a:t>
+              <a:t>What is Tick History?</a:t>
             </a:r>
           </a:p>
         </p:txBody>
@@ -13223,40 +12688,19 @@
                   <a:schemeClr val="bg1"/>
                 </a:solidFill>
               </a:rPr>
-              <a:t>1.Request  </a:t>
-            </a:r>
-            <a:r>
-              <a:rPr lang="fr-CH" sz="1400" dirty="0" err="1">
-                <a:solidFill>
-                  <a:schemeClr val="bg1"/>
-                </a:solidFill>
-              </a:rPr>
-              <a:t>authentication</a:t>
-            </a:r>
+              <a:t>1.Request  authentication </a:t>
+            </a:r>
+          </a:p>
+          <a:p>
+            <a:pPr algn="ctr"/>
             <a:r>
               <a:rPr lang="fr-CH" sz="1400" dirty="0">
                 <a:solidFill>
                   <a:schemeClr val="bg1"/>
                 </a:solidFill>
               </a:rPr>
-              <a:t> </a:t>
-            </a:r>
-          </a:p>
-          <a:p>
-            <a:pPr algn="ctr"/>
-            <a:r>
-              <a:rPr lang="fr-CH" sz="1400" dirty="0" err="1">
-                <a:solidFill>
-                  <a:schemeClr val="bg1"/>
-                </a:solidFill>
-              </a:rPr>
               <a:t>token</a:t>
             </a:r>
-            <a:endParaRPr lang="fr-CH" sz="1400" dirty="0">
-              <a:solidFill>
-                <a:schemeClr val="bg1"/>
-              </a:solidFill>
-            </a:endParaRPr>
           </a:p>
           <a:p>
             <a:pPr algn="ctr"/>
@@ -13321,23 +12765,7 @@
                   <a:schemeClr val="bg1"/>
                 </a:solidFill>
               </a:rPr>
-              <a:t>2.</a:t>
-            </a:r>
-            <a:r>
-              <a:rPr lang="fr-CH" sz="1400" dirty="0" err="1">
-                <a:solidFill>
-                  <a:schemeClr val="bg1"/>
-                </a:solidFill>
-              </a:rPr>
-              <a:t>Request</a:t>
-            </a:r>
-            <a:r>
-              <a:rPr lang="fr-CH" sz="1400" dirty="0">
-                <a:solidFill>
-                  <a:schemeClr val="bg1"/>
-                </a:solidFill>
-              </a:rPr>
-              <a:t> for data type</a:t>
+              <a:t>2.Request for data type</a:t>
             </a:r>
           </a:p>
           <a:p>
@@ -13634,15 +13062,7 @@
                   <a:schemeClr val="bg1"/>
                 </a:solidFill>
               </a:rPr>
-              <a:t>3.Check </a:t>
-            </a:r>
-            <a:r>
-              <a:rPr lang="fr-CH" sz="1400" dirty="0" err="1">
-                <a:solidFill>
-                  <a:schemeClr val="bg1"/>
-                </a:solidFill>
-              </a:rPr>
-              <a:t>status</a:t>
+              <a:t>3.Check status</a:t>
             </a:r>
             <a:endParaRPr lang="en-US" sz="1400" dirty="0">
               <a:solidFill>
@@ -14694,7 +14114,7 @@
               <a:rPr lang="en-US" sz="1800" dirty="0">
                 <a:latin typeface="+mn-lt"/>
               </a:rPr>
-              <a:t>TRTH Quick Start notebook file on Github:</a:t>
+              <a:t>TRTH On Demand Quick Start notebook file on Github:</a:t>
             </a:r>
           </a:p>
           <a:p>
@@ -14704,25 +14124,12 @@
             <a:r>
               <a:rPr lang="en-US" u="sng" dirty="0">
                 <a:solidFill>
-                  <a:schemeClr val="accent1"/>
+                  <a:schemeClr val="tx2"/>
                 </a:solidFill>
                 <a:latin typeface="+mn-lt"/>
-                <a:hlinkClick r:id="rId3">
-                  <a:extLst>
-                    <a:ext uri="{A12FA001-AC4F-418D-AE19-62706E023703}">
-                      <ahyp:hlinkClr xmlns:ahyp="http://schemas.microsoft.com/office/drawing/2018/hyperlinkcolor" val="tx"/>
-                    </a:ext>
-                  </a:extLst>
-                </a:hlinkClick>
               </a:rPr>
               <a:t>https://github.com/Refinitiv-API-Samples/Article.TRTH.Python.TRTHOnJupyterNotebookQuickStart</a:t>
             </a:r>
-            <a:endParaRPr lang="en-US" u="sng" dirty="0">
-              <a:solidFill>
-                <a:schemeClr val="accent1"/>
-              </a:solidFill>
-              <a:latin typeface="+mn-lt"/>
-            </a:endParaRPr>
           </a:p>
           <a:p>
             <a:pPr marL="0" indent="0">

--- a/TRTH_on_Jupyter_Notebook_QuickStart.pptx
+++ b/TRTH_on_Jupyter_Notebook_QuickStart.pptx
@@ -249,7 +249,7 @@
             <a:fld id="{94F5700D-296D-7F49-A7E5-61F8CC39D1CA}" type="datetimeFigureOut">
               <a:rPr lang="en-US" smtClean="0"/>
               <a:pPr/>
-              <a:t>9/23/2019</a:t>
+              <a:t>9/24/2019</a:t>
             </a:fld>
             <a:endParaRPr lang="en-US"/>
           </a:p>
@@ -420,7 +420,7 @@
             <a:fld id="{FD545FEF-5642-8644-A8CE-1A8BE6E2920A}" type="datetimeFigureOut">
               <a:rPr lang="en-US" smtClean="0"/>
               <a:pPr/>
-              <a:t>9/23/2019</a:t>
+              <a:t>9/24/2019</a:t>
             </a:fld>
             <a:endParaRPr lang="en-US" dirty="0"/>
           </a:p>
@@ -1509,7 +1509,7 @@
             <a:fld id="{5BD4AFC6-4750-2141-8F4F-DAA9466C500E}" type="datetime4">
               <a:rPr lang="en-US" smtClean="0"/>
               <a:pPr/>
-              <a:t>September 23, 2019</a:t>
+              <a:t>September 24, 2019</a:t>
             </a:fld>
             <a:endParaRPr lang="en-US" dirty="0"/>
           </a:p>
@@ -4480,7 +4480,7 @@
             <a:fld id="{DA56455B-B280-5C44-8C4E-81F4C44C451B}" type="datetime4">
               <a:rPr lang="en-US" smtClean="0"/>
               <a:pPr/>
-              <a:t>September 23, 2019</a:t>
+              <a:t>September 24, 2019</a:t>
             </a:fld>
             <a:endParaRPr lang="en-US" dirty="0"/>
           </a:p>
@@ -8630,7 +8630,7 @@
             <a:fld id="{1823323D-B9D1-CD43-A6C7-68FD8DB5F140}" type="datetime4">
               <a:rPr lang="en-US" smtClean="0"/>
               <a:pPr/>
-              <a:t>September 23, 2019</a:t>
+              <a:t>September 24, 2019</a:t>
             </a:fld>
             <a:endParaRPr lang="en-US" dirty="0"/>
           </a:p>
@@ -8999,7 +8999,7 @@
             <a:fld id="{A926F648-C8C0-BE41-91A4-455C8E403BFD}" type="datetime4">
               <a:rPr lang="en-US" smtClean="0"/>
               <a:pPr/>
-              <a:t>September 23, 2019</a:t>
+              <a:t>September 24, 2019</a:t>
             </a:fld>
             <a:endParaRPr lang="en-US" dirty="0"/>
           </a:p>
@@ -9321,7 +9321,7 @@
             <a:fld id="{A55EAFBF-7A47-9C49-8386-4083CB246577}" type="datetime4">
               <a:rPr lang="en-US" smtClean="0"/>
               <a:pPr/>
-              <a:t>September 23, 2019</a:t>
+              <a:t>September 24, 2019</a:t>
             </a:fld>
             <a:endParaRPr lang="en-US" dirty="0"/>
           </a:p>
@@ -9678,7 +9678,7 @@
             <a:fld id="{03A3518A-20AE-6B44-8F27-D9A81E7AB0A8}" type="datetime4">
               <a:rPr lang="en-US" smtClean="0"/>
               <a:pPr/>
-              <a:t>September 23, 2019</a:t>
+              <a:t>September 24, 2019</a:t>
             </a:fld>
             <a:endParaRPr lang="en-US" dirty="0"/>
           </a:p>
@@ -10001,7 +10001,7 @@
             <a:fld id="{BA75C168-905C-8C46-BFF2-E40BDEE41690}" type="datetime4">
               <a:rPr lang="en-US" smtClean="0"/>
               <a:pPr/>
-              <a:t>September 23, 2019</a:t>
+              <a:t>September 24, 2019</a:t>
             </a:fld>
             <a:endParaRPr lang="en-US" dirty="0"/>
           </a:p>
@@ -10388,7 +10388,7 @@
             <a:fld id="{D131E516-DECB-8C49-96B2-38C9D0502881}" type="datetime4">
               <a:rPr lang="en-US" smtClean="0"/>
               <a:pPr/>
-              <a:t>September 23, 2019</a:t>
+              <a:t>September 24, 2019</a:t>
             </a:fld>
             <a:endParaRPr lang="en-US" dirty="0"/>
           </a:p>
@@ -10735,7 +10735,7 @@
             <a:fld id="{50BA0A35-0271-E94F-8295-304203FC3BCF}" type="datetime4">
               <a:rPr lang="en-US" smtClean="0"/>
               <a:pPr/>
-              <a:t>September 23, 2019</a:t>
+              <a:t>September 24, 2019</a:t>
             </a:fld>
             <a:endParaRPr lang="en-US" dirty="0"/>
           </a:p>

--- a/TRTH_on_Jupyter_Notebook_QuickStart.pptx
+++ b/TRTH_on_Jupyter_Notebook_QuickStart.pptx
@@ -847,7 +847,15 @@
           <a:p>
             <a:r>
               <a:rPr lang="en-US" dirty="0"/>
-              <a:t>Tick History or TRTH is an Internet-hosted product on the DataScope Select platform or DSS. TRTH is a historical market data service, offering global data dating back to January 1996, for example, intraday summaries, end of days prices, time and sales. TRTH provides REST API to access all data. </a:t>
+              <a:t>Tick History or TRTH is an Internet-hosted product on </a:t>
+            </a:r>
+            <a:r>
+              <a:rPr lang="en-US" dirty="0" err="1"/>
+              <a:t>DataScope</a:t>
+            </a:r>
+            <a:r>
+              <a:rPr lang="en-US" dirty="0"/>
+              <a:t> Select platform or DSS. TRTH is a historical market data service, offering global data dating back to January 1996, for example, intraday summaries, end of days prices, time and sales. TRTH provides REST API to access all data. </a:t>
             </a:r>
           </a:p>
         </p:txBody>
@@ -946,7 +954,7 @@
           <a:p>
             <a:r>
               <a:rPr lang="en-US" dirty="0"/>
-              <a:t>First, request authentication token using the DSS username and password. The TRTH REST API requires the authentication token to access any data. </a:t>
+              <a:t>First, request authentication token using DSS username and password. TRTH REST API requires the authentication token to access any data. </a:t>
             </a:r>
           </a:p>
           <a:p>
@@ -11780,9 +11788,13 @@
           <a:lstStyle/>
           <a:p>
             <a:r>
-              <a:rPr lang="en-US" dirty="0"/>
-              <a:t>Getting Playback Data with EMA</a:t>
-            </a:r>
+              <a:rPr lang="en-US" dirty="0">
+                <a:ea typeface="Arial" charset="0"/>
+                <a:cs typeface="Arial" charset="0"/>
+              </a:rPr>
+              <a:t>Tick History on Jupyter Notebook Quick Start</a:t>
+            </a:r>
+            <a:endParaRPr lang="en-US" dirty="0"/>
           </a:p>
         </p:txBody>
       </p:sp>
@@ -12414,9 +12426,13 @@
           <a:lstStyle/>
           <a:p>
             <a:r>
-              <a:rPr lang="en-US" dirty="0"/>
-              <a:t>Getting Playback Data with EMA</a:t>
-            </a:r>
+              <a:rPr lang="en-US" dirty="0">
+                <a:ea typeface="Arial" charset="0"/>
+                <a:cs typeface="Arial" charset="0"/>
+              </a:rPr>
+              <a:t>Tick History on Jupyter Notebook Quick Start</a:t>
+            </a:r>
+            <a:endParaRPr lang="en-US" dirty="0"/>
           </a:p>
         </p:txBody>
       </p:sp>
@@ -14211,9 +14227,13 @@
           <a:lstStyle/>
           <a:p>
             <a:r>
-              <a:rPr lang="en-US" dirty="0"/>
-              <a:t>Getting Playback Data with EMA</a:t>
-            </a:r>
+              <a:rPr lang="en-US" dirty="0">
+                <a:ea typeface="Arial" charset="0"/>
+                <a:cs typeface="Arial" charset="0"/>
+              </a:rPr>
+              <a:t>Tick History on Jupyter Notebook Quick Start</a:t>
+            </a:r>
+            <a:endParaRPr lang="en-US" dirty="0"/>
           </a:p>
         </p:txBody>
       </p:sp>

--- a/TRTH_on_Jupyter_Notebook_QuickStart.pptx
+++ b/TRTH_on_Jupyter_Notebook_QuickStart.pptx
@@ -249,7 +249,7 @@
             <a:fld id="{94F5700D-296D-7F49-A7E5-61F8CC39D1CA}" type="datetimeFigureOut">
               <a:rPr lang="en-US" smtClean="0"/>
               <a:pPr/>
-              <a:t>9/24/2019</a:t>
+              <a:t>10/3/2019</a:t>
             </a:fld>
             <a:endParaRPr lang="en-US"/>
           </a:p>
@@ -420,7 +420,7 @@
             <a:fld id="{FD545FEF-5642-8644-A8CE-1A8BE6E2920A}" type="datetimeFigureOut">
               <a:rPr lang="en-US" smtClean="0"/>
               <a:pPr/>
-              <a:t>9/24/2019</a:t>
+              <a:t>10/3/2019</a:t>
             </a:fld>
             <a:endParaRPr lang="en-US" dirty="0"/>
           </a:p>
@@ -1517,7 +1517,7 @@
             <a:fld id="{5BD4AFC6-4750-2141-8F4F-DAA9466C500E}" type="datetime4">
               <a:rPr lang="en-US" smtClean="0"/>
               <a:pPr/>
-              <a:t>September 24, 2019</a:t>
+              <a:t>October 3, 2019</a:t>
             </a:fld>
             <a:endParaRPr lang="en-US" dirty="0"/>
           </a:p>
@@ -4488,7 +4488,7 @@
             <a:fld id="{DA56455B-B280-5C44-8C4E-81F4C44C451B}" type="datetime4">
               <a:rPr lang="en-US" smtClean="0"/>
               <a:pPr/>
-              <a:t>September 24, 2019</a:t>
+              <a:t>October 3, 2019</a:t>
             </a:fld>
             <a:endParaRPr lang="en-US" dirty="0"/>
           </a:p>
@@ -8638,7 +8638,7 @@
             <a:fld id="{1823323D-B9D1-CD43-A6C7-68FD8DB5F140}" type="datetime4">
               <a:rPr lang="en-US" smtClean="0"/>
               <a:pPr/>
-              <a:t>September 24, 2019</a:t>
+              <a:t>October 3, 2019</a:t>
             </a:fld>
             <a:endParaRPr lang="en-US" dirty="0"/>
           </a:p>
@@ -9007,7 +9007,7 @@
             <a:fld id="{A926F648-C8C0-BE41-91A4-455C8E403BFD}" type="datetime4">
               <a:rPr lang="en-US" smtClean="0"/>
               <a:pPr/>
-              <a:t>September 24, 2019</a:t>
+              <a:t>October 3, 2019</a:t>
             </a:fld>
             <a:endParaRPr lang="en-US" dirty="0"/>
           </a:p>
@@ -9329,7 +9329,7 @@
             <a:fld id="{A55EAFBF-7A47-9C49-8386-4083CB246577}" type="datetime4">
               <a:rPr lang="en-US" smtClean="0"/>
               <a:pPr/>
-              <a:t>September 24, 2019</a:t>
+              <a:t>October 3, 2019</a:t>
             </a:fld>
             <a:endParaRPr lang="en-US" dirty="0"/>
           </a:p>
@@ -9686,7 +9686,7 @@
             <a:fld id="{03A3518A-20AE-6B44-8F27-D9A81E7AB0A8}" type="datetime4">
               <a:rPr lang="en-US" smtClean="0"/>
               <a:pPr/>
-              <a:t>September 24, 2019</a:t>
+              <a:t>October 3, 2019</a:t>
             </a:fld>
             <a:endParaRPr lang="en-US" dirty="0"/>
           </a:p>
@@ -10009,7 +10009,7 @@
             <a:fld id="{BA75C168-905C-8C46-BFF2-E40BDEE41690}" type="datetime4">
               <a:rPr lang="en-US" smtClean="0"/>
               <a:pPr/>
-              <a:t>September 24, 2019</a:t>
+              <a:t>October 3, 2019</a:t>
             </a:fld>
             <a:endParaRPr lang="en-US" dirty="0"/>
           </a:p>
@@ -10396,7 +10396,7 @@
             <a:fld id="{D131E516-DECB-8C49-96B2-38C9D0502881}" type="datetime4">
               <a:rPr lang="en-US" smtClean="0"/>
               <a:pPr/>
-              <a:t>September 24, 2019</a:t>
+              <a:t>October 3, 2019</a:t>
             </a:fld>
             <a:endParaRPr lang="en-US" dirty="0"/>
           </a:p>
@@ -10743,7 +10743,7 @@
             <a:fld id="{50BA0A35-0271-E94F-8295-304203FC3BCF}" type="datetime4">
               <a:rPr lang="en-US" smtClean="0"/>
               <a:pPr/>
-              <a:t>September 24, 2019</a:t>
+              <a:t>October 3, 2019</a:t>
             </a:fld>
             <a:endParaRPr lang="en-US" dirty="0"/>
           </a:p>
@@ -13110,8 +13110,8 @@
         </p:nvSpPr>
         <p:spPr>
           <a:xfrm>
-            <a:off x="8684126" y="3530115"/>
-            <a:ext cx="1265882" cy="566443"/>
+            <a:off x="8684126" y="3444003"/>
+            <a:ext cx="1265882" cy="658017"/>
           </a:xfrm>
           <a:prstGeom prst="flowChartPunchedCard">
             <a:avLst/>
@@ -13142,6 +13142,7 @@
           <a:bodyPr rtlCol="0" anchor="ctr"/>
           <a:lstStyle/>
           <a:p>
+            <a:pPr algn="ctr"/>
             <a:r>
               <a:rPr lang="en-US" sz="1400" dirty="0"/>
               <a:t>4. Retrieve data</a:t>
